--- a/House_price_prediction.pptx
+++ b/House_price_prediction.pptx
@@ -1530,7 +1530,7 @@
           <a:p>
             <a:fld id="{4AAD347D-5ACD-4C99-B74B-A9C85AD731AF}" type="datetimeFigureOut">
               <a:rPr lang="en-US" smtClean="0"/>
-              <a:t>5/8/2022</a:t>
+              <a:t>5/10/2022</a:t>
             </a:fld>
             <a:endParaRPr lang="en-US" dirty="0"/>
           </a:p>
@@ -1791,7 +1791,7 @@
           <a:p>
             <a:fld id="{4AAD347D-5ACD-4C99-B74B-A9C85AD731AF}" type="datetimeFigureOut">
               <a:rPr lang="en-US" smtClean="0"/>
-              <a:t>5/8/2022</a:t>
+              <a:t>5/10/2022</a:t>
             </a:fld>
             <a:endParaRPr lang="en-US" dirty="0"/>
           </a:p>
@@ -2115,7 +2115,7 @@
           <a:p>
             <a:fld id="{4AAD347D-5ACD-4C99-B74B-A9C85AD731AF}" type="datetimeFigureOut">
               <a:rPr lang="en-US" smtClean="0"/>
-              <a:t>5/8/2022</a:t>
+              <a:t>5/10/2022</a:t>
             </a:fld>
             <a:endParaRPr lang="en-US" dirty="0"/>
           </a:p>
@@ -2466,7 +2466,7 @@
           <a:p>
             <a:fld id="{4509A250-FF31-4206-8172-F9D3106AACB1}" type="datetimeFigureOut">
               <a:rPr lang="en-US" smtClean="0"/>
-              <a:t>5/8/2022</a:t>
+              <a:t>5/10/2022</a:t>
             </a:fld>
             <a:endParaRPr lang="en-US" dirty="0"/>
           </a:p>
@@ -2790,7 +2790,7 @@
           <a:p>
             <a:fld id="{4AAD347D-5ACD-4C99-B74B-A9C85AD731AF}" type="datetimeFigureOut">
               <a:rPr lang="en-US" smtClean="0"/>
-              <a:t>5/8/2022</a:t>
+              <a:t>5/10/2022</a:t>
             </a:fld>
             <a:endParaRPr lang="en-US" dirty="0"/>
           </a:p>
@@ -3193,7 +3193,7 @@
           <a:p>
             <a:fld id="{4AAD347D-5ACD-4C99-B74B-A9C85AD731AF}" type="datetimeFigureOut">
               <a:rPr lang="en-US" smtClean="0"/>
-              <a:t>5/8/2022</a:t>
+              <a:t>5/10/2022</a:t>
             </a:fld>
             <a:endParaRPr lang="en-US" dirty="0"/>
           </a:p>
@@ -3373,7 +3373,7 @@
           <a:p>
             <a:fld id="{4509A250-FF31-4206-8172-F9D3106AACB1}" type="datetimeFigureOut">
               <a:rPr lang="en-US" smtClean="0"/>
-              <a:t>5/8/2022</a:t>
+              <a:t>5/10/2022</a:t>
             </a:fld>
             <a:endParaRPr lang="en-US" dirty="0"/>
           </a:p>
@@ -3563,7 +3563,7 @@
           <a:p>
             <a:fld id="{4509A250-FF31-4206-8172-F9D3106AACB1}" type="datetimeFigureOut">
               <a:rPr lang="en-US" smtClean="0"/>
-              <a:t>5/8/2022</a:t>
+              <a:t>5/10/2022</a:t>
             </a:fld>
             <a:endParaRPr lang="en-US" dirty="0"/>
           </a:p>
@@ -4332,7 +4332,7 @@
           <a:p>
             <a:fld id="{4509A250-FF31-4206-8172-F9D3106AACB1}" type="datetimeFigureOut">
               <a:rPr lang="en-US" smtClean="0"/>
-              <a:t>5/8/2022</a:t>
+              <a:t>5/10/2022</a:t>
             </a:fld>
             <a:endParaRPr lang="en-US" dirty="0"/>
           </a:p>
@@ -4589,7 +4589,7 @@
           <a:p>
             <a:fld id="{9796027F-7875-4030-9381-8BD8C4F21935}" type="datetimeFigureOut">
               <a:rPr lang="en-US" smtClean="0"/>
-              <a:t>5/8/2022</a:t>
+              <a:t>5/10/2022</a:t>
             </a:fld>
             <a:endParaRPr lang="en-US" dirty="0"/>
           </a:p>
@@ -4831,7 +4831,7 @@
           <a:p>
             <a:fld id="{9796027F-7875-4030-9381-8BD8C4F21935}" type="datetimeFigureOut">
               <a:rPr lang="en-US" smtClean="0"/>
-              <a:t>5/8/2022</a:t>
+              <a:t>5/10/2022</a:t>
             </a:fld>
             <a:endParaRPr lang="en-US" dirty="0"/>
           </a:p>
@@ -5215,7 +5215,7 @@
           <a:p>
             <a:fld id="{9796027F-7875-4030-9381-8BD8C4F21935}" type="datetimeFigureOut">
               <a:rPr lang="en-US" smtClean="0"/>
-              <a:t>5/8/2022</a:t>
+              <a:t>5/10/2022</a:t>
             </a:fld>
             <a:endParaRPr lang="en-US" dirty="0"/>
           </a:p>
@@ -5348,7 +5348,7 @@
           <a:p>
             <a:fld id="{4509A250-FF31-4206-8172-F9D3106AACB1}" type="datetimeFigureOut">
               <a:rPr lang="en-US" smtClean="0"/>
-              <a:t>5/8/2022</a:t>
+              <a:t>5/10/2022</a:t>
             </a:fld>
             <a:endParaRPr lang="en-US" dirty="0"/>
           </a:p>
@@ -5453,7 +5453,7 @@
           <a:p>
             <a:fld id="{4509A250-FF31-4206-8172-F9D3106AACB1}" type="datetimeFigureOut">
               <a:rPr lang="en-US" smtClean="0"/>
-              <a:t>5/8/2022</a:t>
+              <a:t>5/10/2022</a:t>
             </a:fld>
             <a:endParaRPr lang="en-US" dirty="0"/>
           </a:p>
@@ -5717,7 +5717,7 @@
           <a:p>
             <a:fld id="{4509A250-FF31-4206-8172-F9D3106AACB1}" type="datetimeFigureOut">
               <a:rPr lang="en-US" smtClean="0"/>
-              <a:t>5/8/2022</a:t>
+              <a:t>5/10/2022</a:t>
             </a:fld>
             <a:endParaRPr lang="en-US" dirty="0"/>
           </a:p>
@@ -5990,7 +5990,7 @@
           <a:p>
             <a:fld id="{4509A250-FF31-4206-8172-F9D3106AACB1}" type="datetimeFigureOut">
               <a:rPr lang="en-US" smtClean="0"/>
-              <a:t>5/8/2022</a:t>
+              <a:t>5/10/2022</a:t>
             </a:fld>
             <a:endParaRPr lang="en-US" dirty="0"/>
           </a:p>
@@ -6743,7 +6743,7 @@
           <a:p>
             <a:fld id="{4AAD347D-5ACD-4C99-B74B-A9C85AD731AF}" type="datetimeFigureOut">
               <a:rPr lang="en-US" smtClean="0"/>
-              <a:t>5/8/2022</a:t>
+              <a:t>5/10/2022</a:t>
             </a:fld>
             <a:endParaRPr lang="en-US" dirty="0"/>
           </a:p>
@@ -10757,7 +10757,7 @@
             </a:pPr>
             <a:r>
               <a:rPr lang="en-US" dirty="0"/>
-              <a:t>Predicting the number of requests at a given time and given location.</a:t>
+              <a:t>Predicting the house prices.</a:t>
             </a:r>
           </a:p>
           <a:p>
@@ -10767,8 +10767,13 @@
             </a:pPr>
             <a:r>
               <a:rPr lang="en-US" dirty="0"/>
-              <a:t>This is a geo-spatial time series analysis </a:t>
-            </a:r>
+              <a:t>This is </a:t>
+            </a:r>
+            <a:r>
+              <a:rPr lang="en-US"/>
+              <a:t>a regression model.</a:t>
+            </a:r>
+            <a:endParaRPr lang="en-US" dirty="0"/>
           </a:p>
           <a:p>
             <a:pPr marL="571500" lvl="1" indent="0">
@@ -15033,15 +15038,6 @@
 </file>
 
 <file path=customXml/item1.xml><?xml version="1.0" encoding="utf-8"?>
-<?mso-contentType ?>
-<FormTemplates xmlns="http://schemas.microsoft.com/sharepoint/v3/contenttype/forms">
-  <Display>DocumentLibraryForm</Display>
-  <Edit>DocumentLibraryForm</Edit>
-  <New>DocumentLibraryForm</New>
-</FormTemplates>
-</file>
-
-<file path=customXml/item2.xml><?xml version="1.0" encoding="utf-8"?>
 <ct:contentTypeSchema xmlns:ct="http://schemas.microsoft.com/office/2006/metadata/contentType" xmlns:ma="http://schemas.microsoft.com/office/2006/metadata/properties/metaAttributes" ct:_="" ma:_="" ma:contentTypeName="Document" ma:contentTypeID="0x010100723B267711A25C41B2BFC79C4D006C71" ma:contentTypeVersion="7" ma:contentTypeDescription="Create a new document." ma:contentTypeScope="" ma:versionID="f0705e744ff812a76b74e95c32703776">
   <xsd:schema xmlns:xsd="http://www.w3.org/2001/XMLSchema" xmlns:xs="http://www.w3.org/2001/XMLSchema" xmlns:p="http://schemas.microsoft.com/office/2006/metadata/properties" xmlns:ns3="2fdcd3d9-9c96-4c5d-b3c7-23c943567def" xmlns:ns4="e5d66907-a2c5-4477-ac7f-210b31fcf316" targetNamespace="http://schemas.microsoft.com/office/2006/metadata/properties" ma:root="true" ma:fieldsID="90d191597010ab3c5607c795b10ad637" ns3:_="" ns4:_="">
     <xsd:import namespace="2fdcd3d9-9c96-4c5d-b3c7-23c943567def"/>
@@ -15226,6 +15222,15 @@
 </ct:contentTypeSchema>
 </file>
 
+<file path=customXml/item2.xml><?xml version="1.0" encoding="utf-8"?>
+<?mso-contentType ?>
+<FormTemplates xmlns="http://schemas.microsoft.com/sharepoint/v3/contenttype/forms">
+  <Display>DocumentLibraryForm</Display>
+  <Edit>DocumentLibraryForm</Edit>
+  <New>DocumentLibraryForm</New>
+</FormTemplates>
+</file>
+
 <file path=customXml/item3.xml><?xml version="1.0" encoding="utf-8"?>
 <p:properties xmlns:p="http://schemas.microsoft.com/office/2006/metadata/properties" xmlns:xsi="http://www.w3.org/2001/XMLSchema-instance" xmlns:pc="http://schemas.microsoft.com/office/infopath/2007/PartnerControls">
   <documentManagement/>
@@ -15233,14 +15238,6 @@
 </file>
 
 <file path=customXml/itemProps1.xml><?xml version="1.0" encoding="utf-8"?>
-<ds:datastoreItem xmlns:ds="http://schemas.openxmlformats.org/officeDocument/2006/customXml" ds:itemID="{D4E2CB74-4FCA-4587-B9D0-BB0D77A9037B}">
-  <ds:schemaRefs>
-    <ds:schemaRef ds:uri="http://schemas.microsoft.com/sharepoint/v3/contenttype/forms"/>
-  </ds:schemaRefs>
-</ds:datastoreItem>
-</file>
-
-<file path=customXml/itemProps2.xml><?xml version="1.0" encoding="utf-8"?>
 <ds:datastoreItem xmlns:ds="http://schemas.openxmlformats.org/officeDocument/2006/customXml" ds:itemID="{22335AC5-BE78-4AF9-81AE-C7B3BFE28F8C}">
   <ds:schemaRefs>
     <ds:schemaRef ds:uri="http://schemas.microsoft.com/office/2006/metadata/contentType"/>
@@ -15255,6 +15252,14 @@
     <ds:schemaRef ds:uri="http://purl.org/dc/elements/1.1/"/>
     <ds:schemaRef ds:uri="http://purl.org/dc/terms/"/>
     <ds:schemaRef ds:uri="http://schemas.microsoft.com/internal/obd"/>
+  </ds:schemaRefs>
+</ds:datastoreItem>
+</file>
+
+<file path=customXml/itemProps2.xml><?xml version="1.0" encoding="utf-8"?>
+<ds:datastoreItem xmlns:ds="http://schemas.openxmlformats.org/officeDocument/2006/customXml" ds:itemID="{D4E2CB74-4FCA-4587-B9D0-BB0D77A9037B}">
+  <ds:schemaRefs>
+    <ds:schemaRef ds:uri="http://schemas.microsoft.com/sharepoint/v3/contenttype/forms"/>
   </ds:schemaRefs>
 </ds:datastoreItem>
 </file>
